--- a/02-CleanCode&Testing/Testing.pptx
+++ b/02-CleanCode&Testing/Testing.pptx
@@ -5,7 +5,7 @@
     <p:sldMasterId id="2147483780" r:id="rId1"/>
   </p:sldMasterIdLst>
   <p:notesMasterIdLst>
-    <p:notesMasterId r:id="rId24"/>
+    <p:notesMasterId r:id="rId23"/>
   </p:notesMasterIdLst>
   <p:sldIdLst>
     <p:sldId id="256" r:id="rId2"/>
@@ -24,12 +24,11 @@
     <p:sldId id="281" r:id="rId15"/>
     <p:sldId id="296" r:id="rId16"/>
     <p:sldId id="280" r:id="rId17"/>
-    <p:sldId id="297" r:id="rId18"/>
-    <p:sldId id="304" r:id="rId19"/>
-    <p:sldId id="284" r:id="rId20"/>
-    <p:sldId id="305" r:id="rId21"/>
-    <p:sldId id="283" r:id="rId22"/>
-    <p:sldId id="307" r:id="rId23"/>
+    <p:sldId id="304" r:id="rId18"/>
+    <p:sldId id="284" r:id="rId19"/>
+    <p:sldId id="305" r:id="rId20"/>
+    <p:sldId id="283" r:id="rId21"/>
+    <p:sldId id="307" r:id="rId22"/>
   </p:sldIdLst>
   <p:sldSz cx="9144000" cy="6858000" type="screen4x3"/>
   <p:notesSz cx="6858000" cy="9144000"/>
@@ -8436,7 +8435,7 @@
           <a:p>
             <a:fld id="{16E5F246-0B7D-44DF-8C1B-EDFCA5DA626A}" type="datetimeFigureOut">
               <a:rPr lang="ru-RU" smtClean="0"/>
-              <a:t>20.11.2013</a:t>
+              <a:t>22.11.2013</a:t>
             </a:fld>
             <a:endParaRPr lang="ru-RU"/>
           </a:p>
@@ -8965,7 +8964,7 @@
           <a:p>
             <a:fld id="{3BAECB10-9972-4830-A584-02C41DAFD45B}" type="slidenum">
               <a:rPr lang="ru-RU" smtClean="0"/>
-              <a:t>18</a:t>
+              <a:t>17</a:t>
             </a:fld>
             <a:endParaRPr lang="ru-RU"/>
           </a:p>
@@ -9077,7 +9076,7 @@
           <a:p>
             <a:fld id="{3BAECB10-9972-4830-A584-02C41DAFD45B}" type="slidenum">
               <a:rPr lang="ru-RU" smtClean="0"/>
-              <a:t>19</a:t>
+              <a:t>18</a:t>
             </a:fld>
             <a:endParaRPr lang="ru-RU"/>
           </a:p>
@@ -9200,7 +9199,7 @@
           <a:p>
             <a:fld id="{3BAECB10-9972-4830-A584-02C41DAFD45B}" type="slidenum">
               <a:rPr lang="ru-RU" smtClean="0"/>
-              <a:t>20</a:t>
+              <a:t>19</a:t>
             </a:fld>
             <a:endParaRPr lang="ru-RU"/>
           </a:p>
@@ -9370,7 +9369,7 @@
           <a:p>
             <a:fld id="{3BAECB10-9972-4830-A584-02C41DAFD45B}" type="slidenum">
               <a:rPr lang="ru-RU" smtClean="0"/>
-              <a:t>21</a:t>
+              <a:t>20</a:t>
             </a:fld>
             <a:endParaRPr lang="ru-RU"/>
           </a:p>
@@ -9570,7 +9569,7 @@
           <a:p>
             <a:fld id="{ED7A5A9E-355E-4F5A-82F5-195339D13266}" type="datetimeFigureOut">
               <a:rPr lang="ru-RU" smtClean="0"/>
-              <a:t>20.11.2013</a:t>
+              <a:t>22.11.2013</a:t>
             </a:fld>
             <a:endParaRPr lang="ru-RU"/>
           </a:p>
@@ -9740,7 +9739,7 @@
           <a:p>
             <a:fld id="{ED7A5A9E-355E-4F5A-82F5-195339D13266}" type="datetimeFigureOut">
               <a:rPr lang="ru-RU" smtClean="0"/>
-              <a:t>20.11.2013</a:t>
+              <a:t>22.11.2013</a:t>
             </a:fld>
             <a:endParaRPr lang="ru-RU"/>
           </a:p>
@@ -9920,7 +9919,7 @@
           <a:p>
             <a:fld id="{ED7A5A9E-355E-4F5A-82F5-195339D13266}" type="datetimeFigureOut">
               <a:rPr lang="ru-RU" smtClean="0"/>
-              <a:t>20.11.2013</a:t>
+              <a:t>22.11.2013</a:t>
             </a:fld>
             <a:endParaRPr lang="ru-RU"/>
           </a:p>
@@ -10090,7 +10089,7 @@
           <a:p>
             <a:fld id="{ED7A5A9E-355E-4F5A-82F5-195339D13266}" type="datetimeFigureOut">
               <a:rPr lang="ru-RU" smtClean="0"/>
-              <a:t>20.11.2013</a:t>
+              <a:t>22.11.2013</a:t>
             </a:fld>
             <a:endParaRPr lang="ru-RU"/>
           </a:p>
@@ -10336,7 +10335,7 @@
           <a:p>
             <a:fld id="{ED7A5A9E-355E-4F5A-82F5-195339D13266}" type="datetimeFigureOut">
               <a:rPr lang="ru-RU" smtClean="0"/>
-              <a:t>20.11.2013</a:t>
+              <a:t>22.11.2013</a:t>
             </a:fld>
             <a:endParaRPr lang="ru-RU"/>
           </a:p>
@@ -10624,7 +10623,7 @@
           <a:p>
             <a:fld id="{ED7A5A9E-355E-4F5A-82F5-195339D13266}" type="datetimeFigureOut">
               <a:rPr lang="ru-RU" smtClean="0"/>
-              <a:t>20.11.2013</a:t>
+              <a:t>22.11.2013</a:t>
             </a:fld>
             <a:endParaRPr lang="ru-RU"/>
           </a:p>
@@ -11046,7 +11045,7 @@
           <a:p>
             <a:fld id="{ED7A5A9E-355E-4F5A-82F5-195339D13266}" type="datetimeFigureOut">
               <a:rPr lang="ru-RU" smtClean="0"/>
-              <a:t>20.11.2013</a:t>
+              <a:t>22.11.2013</a:t>
             </a:fld>
             <a:endParaRPr lang="ru-RU"/>
           </a:p>
@@ -11164,7 +11163,7 @@
           <a:p>
             <a:fld id="{ED7A5A9E-355E-4F5A-82F5-195339D13266}" type="datetimeFigureOut">
               <a:rPr lang="ru-RU" smtClean="0"/>
-              <a:t>20.11.2013</a:t>
+              <a:t>22.11.2013</a:t>
             </a:fld>
             <a:endParaRPr lang="ru-RU"/>
           </a:p>
@@ -11259,7 +11258,7 @@
           <a:p>
             <a:fld id="{ED7A5A9E-355E-4F5A-82F5-195339D13266}" type="datetimeFigureOut">
               <a:rPr lang="ru-RU" smtClean="0"/>
-              <a:t>20.11.2013</a:t>
+              <a:t>22.11.2013</a:t>
             </a:fld>
             <a:endParaRPr lang="ru-RU"/>
           </a:p>
@@ -11536,7 +11535,7 @@
           <a:p>
             <a:fld id="{ED7A5A9E-355E-4F5A-82F5-195339D13266}" type="datetimeFigureOut">
               <a:rPr lang="ru-RU" smtClean="0"/>
-              <a:t>20.11.2013</a:t>
+              <a:t>22.11.2013</a:t>
             </a:fld>
             <a:endParaRPr lang="ru-RU"/>
           </a:p>
@@ -11789,7 +11788,7 @@
           <a:p>
             <a:fld id="{ED7A5A9E-355E-4F5A-82F5-195339D13266}" type="datetimeFigureOut">
               <a:rPr lang="ru-RU" smtClean="0"/>
-              <a:t>20.11.2013</a:t>
+              <a:t>22.11.2013</a:t>
             </a:fld>
             <a:endParaRPr lang="ru-RU"/>
           </a:p>
@@ -12002,7 +12001,7 @@
           <a:p>
             <a:fld id="{ED7A5A9E-355E-4F5A-82F5-195339D13266}" type="datetimeFigureOut">
               <a:rPr lang="ru-RU" smtClean="0"/>
-              <a:t>20.11.2013</a:t>
+              <a:t>22.11.2013</a:t>
             </a:fld>
             <a:endParaRPr lang="ru-RU"/>
           </a:p>
@@ -12951,7 +12950,7 @@
 </file>
 
 <file path=ppt/slides/slide15.xml><?xml version="1.0" encoding="utf-8"?>
-<p:sld xmlns:a="http://schemas.openxmlformats.org/drawingml/2006/main" xmlns:r="http://schemas.openxmlformats.org/officeDocument/2006/relationships" xmlns:p="http://schemas.openxmlformats.org/presentationml/2006/main">
+<p:sld xmlns:a="http://schemas.openxmlformats.org/drawingml/2006/main" xmlns:r="http://schemas.openxmlformats.org/officeDocument/2006/relationships" xmlns:p="http://schemas.openxmlformats.org/presentationml/2006/main" show="0">
   <p:cSld>
     <p:spTree>
       <p:nvGrpSpPr>
@@ -13052,6 +13051,14 @@
   <p:clrMapOvr>
     <a:masterClrMapping/>
   </p:clrMapOvr>
+  <mc:AlternateContent xmlns:mc="http://schemas.openxmlformats.org/markup-compatibility/2006">
+    <mc:Choice xmlns:p14="http://schemas.microsoft.com/office/powerpoint/2010/main" Requires="p14">
+      <p:transition spd="slow" p14:dur="2000"/>
+    </mc:Choice>
+    <mc:Fallback>
+      <p:transition spd="slow"/>
+    </mc:Fallback>
+  </mc:AlternateContent>
   <p:timing>
     <p:tnLst>
       <p:par>
@@ -13711,66 +13718,6 @@
 </file>
 
 <file path=ppt/slides/slide17.xml><?xml version="1.0" encoding="utf-8"?>
-<p:sld xmlns:a="http://schemas.openxmlformats.org/drawingml/2006/main" xmlns:r="http://schemas.openxmlformats.org/officeDocument/2006/relationships" xmlns:p="http://schemas.openxmlformats.org/presentationml/2006/main">
-  <p:cSld>
-    <p:spTree>
-      <p:nvGrpSpPr>
-        <p:cNvPr id="1" name=""/>
-        <p:cNvGrpSpPr/>
-        <p:nvPr/>
-      </p:nvGrpSpPr>
-      <p:grpSpPr>
-        <a:xfrm>
-          <a:off x="0" y="0"/>
-          <a:ext cx="0" cy="0"/>
-          <a:chOff x="0" y="0"/>
-          <a:chExt cx="0" cy="0"/>
-        </a:xfrm>
-      </p:grpSpPr>
-      <p:sp>
-        <p:nvSpPr>
-          <p:cNvPr id="2" name="Заголовок 1"/>
-          <p:cNvSpPr>
-            <a:spLocks noGrp="1"/>
-          </p:cNvSpPr>
-          <p:nvPr>
-            <p:ph type="title"/>
-          </p:nvPr>
-        </p:nvSpPr>
-        <p:spPr/>
-        <p:txBody>
-          <a:bodyPr/>
-          <a:lstStyle/>
-          <a:p>
-            <a:r>
-              <a:rPr lang="ru-RU" dirty="0" smtClean="0"/>
-              <a:t>Задачки</a:t>
-            </a:r>
-            <a:endParaRPr lang="ru-RU" dirty="0"/>
-          </a:p>
-        </p:txBody>
-      </p:sp>
-    </p:spTree>
-    <p:extLst>
-      <p:ext uri="{BB962C8B-B14F-4D97-AF65-F5344CB8AC3E}">
-        <p14:creationId xmlns:p14="http://schemas.microsoft.com/office/powerpoint/2010/main" val="3620007287"/>
-      </p:ext>
-    </p:extLst>
-  </p:cSld>
-  <p:clrMapOvr>
-    <a:masterClrMapping/>
-  </p:clrMapOvr>
-  <p:timing>
-    <p:tnLst>
-      <p:par>
-        <p:cTn id="1" dur="indefinite" restart="never" nodeType="tmRoot"/>
-      </p:par>
-    </p:tnLst>
-  </p:timing>
-</p:sld>
-</file>
-
-<file path=ppt/slides/slide18.xml><?xml version="1.0" encoding="utf-8"?>
 <p:sld xmlns:a="http://schemas.openxmlformats.org/drawingml/2006/main" xmlns:r="http://schemas.openxmlformats.org/officeDocument/2006/relationships" xmlns:p="http://schemas.openxmlformats.org/presentationml/2006/main" show="0">
   <p:cSld>
     <p:spTree>
@@ -14210,7 +14157,7 @@
 </p:sld>
 </file>
 
-<file path=ppt/slides/slide19.xml><?xml version="1.0" encoding="utf-8"?>
+<file path=ppt/slides/slide18.xml><?xml version="1.0" encoding="utf-8"?>
 <p:sld xmlns:a="http://schemas.openxmlformats.org/drawingml/2006/main" xmlns:r="http://schemas.openxmlformats.org/officeDocument/2006/relationships" xmlns:p="http://schemas.openxmlformats.org/presentationml/2006/main">
   <p:cSld>
     <p:spTree>
@@ -14316,6 +14263,68 @@
     <p:extLst>
       <p:ext uri="{BB962C8B-B14F-4D97-AF65-F5344CB8AC3E}">
         <p14:creationId xmlns:p14="http://schemas.microsoft.com/office/powerpoint/2010/main" val="1488962600"/>
+      </p:ext>
+    </p:extLst>
+  </p:cSld>
+  <p:clrMapOvr>
+    <a:masterClrMapping/>
+  </p:clrMapOvr>
+  <p:timing>
+    <p:tnLst>
+      <p:par>
+        <p:cTn id="1" dur="indefinite" restart="never" nodeType="tmRoot"/>
+      </p:par>
+    </p:tnLst>
+  </p:timing>
+</p:sld>
+</file>
+
+<file path=ppt/slides/slide19.xml><?xml version="1.0" encoding="utf-8"?>
+<p:sld xmlns:a="http://schemas.openxmlformats.org/drawingml/2006/main" xmlns:r="http://schemas.openxmlformats.org/officeDocument/2006/relationships" xmlns:p="http://schemas.openxmlformats.org/presentationml/2006/main">
+  <p:cSld>
+    <p:spTree>
+      <p:nvGrpSpPr>
+        <p:cNvPr id="1" name=""/>
+        <p:cNvGrpSpPr/>
+        <p:nvPr/>
+      </p:nvGrpSpPr>
+      <p:grpSpPr>
+        <a:xfrm>
+          <a:off x="0" y="0"/>
+          <a:ext cx="0" cy="0"/>
+          <a:chOff x="0" y="0"/>
+          <a:chExt cx="0" cy="0"/>
+        </a:xfrm>
+      </p:grpSpPr>
+      <p:sp>
+        <p:nvSpPr>
+          <p:cNvPr id="2" name="Заголовок 1"/>
+          <p:cNvSpPr>
+            <a:spLocks noGrp="1"/>
+          </p:cNvSpPr>
+          <p:nvPr>
+            <p:ph type="title"/>
+          </p:nvPr>
+        </p:nvSpPr>
+        <p:spPr/>
+        <p:txBody>
+          <a:bodyPr>
+            <a:normAutofit/>
+          </a:bodyPr>
+          <a:lstStyle/>
+          <a:p>
+            <a:r>
+              <a:rPr lang="en-US" dirty="0" smtClean="0"/>
+              <a:t>Design for Testability</a:t>
+            </a:r>
+            <a:endParaRPr lang="ru-RU" dirty="0"/>
+          </a:p>
+        </p:txBody>
+      </p:sp>
+    </p:spTree>
+    <p:extLst>
+      <p:ext uri="{BB962C8B-B14F-4D97-AF65-F5344CB8AC3E}">
+        <p14:creationId xmlns:p14="http://schemas.microsoft.com/office/powerpoint/2010/main" val="900368863"/>
       </p:ext>
     </p:extLst>
   </p:cSld>
@@ -14890,68 +14899,6 @@
         </p:nvSpPr>
         <p:spPr/>
         <p:txBody>
-          <a:bodyPr>
-            <a:normAutofit/>
-          </a:bodyPr>
-          <a:lstStyle/>
-          <a:p>
-            <a:r>
-              <a:rPr lang="en-US" dirty="0" smtClean="0"/>
-              <a:t>Design for Testability</a:t>
-            </a:r>
-            <a:endParaRPr lang="ru-RU" dirty="0"/>
-          </a:p>
-        </p:txBody>
-      </p:sp>
-    </p:spTree>
-    <p:extLst>
-      <p:ext uri="{BB962C8B-B14F-4D97-AF65-F5344CB8AC3E}">
-        <p14:creationId xmlns:p14="http://schemas.microsoft.com/office/powerpoint/2010/main" val="900368863"/>
-      </p:ext>
-    </p:extLst>
-  </p:cSld>
-  <p:clrMapOvr>
-    <a:masterClrMapping/>
-  </p:clrMapOvr>
-  <p:timing>
-    <p:tnLst>
-      <p:par>
-        <p:cTn id="1" dur="indefinite" restart="never" nodeType="tmRoot"/>
-      </p:par>
-    </p:tnLst>
-  </p:timing>
-</p:sld>
-</file>
-
-<file path=ppt/slides/slide21.xml><?xml version="1.0" encoding="utf-8"?>
-<p:sld xmlns:a="http://schemas.openxmlformats.org/drawingml/2006/main" xmlns:r="http://schemas.openxmlformats.org/officeDocument/2006/relationships" xmlns:p="http://schemas.openxmlformats.org/presentationml/2006/main">
-  <p:cSld>
-    <p:spTree>
-      <p:nvGrpSpPr>
-        <p:cNvPr id="1" name=""/>
-        <p:cNvGrpSpPr/>
-        <p:nvPr/>
-      </p:nvGrpSpPr>
-      <p:grpSpPr>
-        <a:xfrm>
-          <a:off x="0" y="0"/>
-          <a:ext cx="0" cy="0"/>
-          <a:chOff x="0" y="0"/>
-          <a:chExt cx="0" cy="0"/>
-        </a:xfrm>
-      </p:grpSpPr>
-      <p:sp>
-        <p:nvSpPr>
-          <p:cNvPr id="2" name="Заголовок 1"/>
-          <p:cNvSpPr>
-            <a:spLocks noGrp="1"/>
-          </p:cNvSpPr>
-          <p:nvPr>
-            <p:ph type="title"/>
-          </p:nvPr>
-        </p:nvSpPr>
-        <p:spPr/>
-        <p:txBody>
           <a:bodyPr/>
           <a:lstStyle/>
           <a:p>
@@ -15095,7 +15042,7 @@
 </p:sld>
 </file>
 
-<file path=ppt/slides/slide22.xml><?xml version="1.0" encoding="utf-8"?>
+<file path=ppt/slides/slide21.xml><?xml version="1.0" encoding="utf-8"?>
 <p:sld xmlns:a="http://schemas.openxmlformats.org/drawingml/2006/main" xmlns:r="http://schemas.openxmlformats.org/officeDocument/2006/relationships" xmlns:p="http://schemas.openxmlformats.org/presentationml/2006/main">
   <p:cSld>
     <p:spTree>
